--- a/files/overview-website.pptx
+++ b/files/overview-website.pptx
@@ -243,7 +243,7 @@
           <a:p>
             <a:fld id="{11EAACC7-3B3F-47D1-959A-EF58926E955E}" type="datetimeFigureOut">
               <a:rPr lang="en-US" smtClean="0"/>
-              <a:t>4/25/23</a:t>
+              <a:t>2/1/24</a:t>
             </a:fld>
             <a:endParaRPr lang="en-US"/>
           </a:p>
@@ -413,7 +413,7 @@
           <a:p>
             <a:fld id="{11EAACC7-3B3F-47D1-959A-EF58926E955E}" type="datetimeFigureOut">
               <a:rPr lang="en-US" smtClean="0"/>
-              <a:t>4/25/23</a:t>
+              <a:t>2/1/24</a:t>
             </a:fld>
             <a:endParaRPr lang="en-US"/>
           </a:p>
@@ -593,7 +593,7 @@
           <a:p>
             <a:fld id="{11EAACC7-3B3F-47D1-959A-EF58926E955E}" type="datetimeFigureOut">
               <a:rPr lang="en-US" smtClean="0"/>
-              <a:t>4/25/23</a:t>
+              <a:t>2/1/24</a:t>
             </a:fld>
             <a:endParaRPr lang="en-US"/>
           </a:p>
@@ -763,7 +763,7 @@
           <a:p>
             <a:fld id="{11EAACC7-3B3F-47D1-959A-EF58926E955E}" type="datetimeFigureOut">
               <a:rPr lang="en-US" smtClean="0"/>
-              <a:t>4/25/23</a:t>
+              <a:t>2/1/24</a:t>
             </a:fld>
             <a:endParaRPr lang="en-US" dirty="0"/>
           </a:p>
@@ -1009,7 +1009,7 @@
           <a:p>
             <a:fld id="{11EAACC7-3B3F-47D1-959A-EF58926E955E}" type="datetimeFigureOut">
               <a:rPr lang="en-US" smtClean="0"/>
-              <a:t>4/25/23</a:t>
+              <a:t>2/1/24</a:t>
             </a:fld>
             <a:endParaRPr lang="en-US"/>
           </a:p>
@@ -1241,7 +1241,7 @@
           <a:p>
             <a:fld id="{11EAACC7-3B3F-47D1-959A-EF58926E955E}" type="datetimeFigureOut">
               <a:rPr lang="en-US" smtClean="0"/>
-              <a:t>4/25/23</a:t>
+              <a:t>2/1/24</a:t>
             </a:fld>
             <a:endParaRPr lang="en-US"/>
           </a:p>
@@ -1608,7 +1608,7 @@
           <a:p>
             <a:fld id="{11EAACC7-3B3F-47D1-959A-EF58926E955E}" type="datetimeFigureOut">
               <a:rPr lang="en-US" smtClean="0"/>
-              <a:t>4/25/23</a:t>
+              <a:t>2/1/24</a:t>
             </a:fld>
             <a:endParaRPr lang="en-US"/>
           </a:p>
@@ -1726,7 +1726,7 @@
           <a:p>
             <a:fld id="{11EAACC7-3B3F-47D1-959A-EF58926E955E}" type="datetimeFigureOut">
               <a:rPr lang="en-US" smtClean="0"/>
-              <a:t>4/25/23</a:t>
+              <a:t>2/1/24</a:t>
             </a:fld>
             <a:endParaRPr lang="en-US"/>
           </a:p>
@@ -1821,7 +1821,7 @@
           <a:p>
             <a:fld id="{11EAACC7-3B3F-47D1-959A-EF58926E955E}" type="datetimeFigureOut">
               <a:rPr lang="en-US" smtClean="0"/>
-              <a:t>4/25/23</a:t>
+              <a:t>2/1/24</a:t>
             </a:fld>
             <a:endParaRPr lang="en-US"/>
           </a:p>
@@ -2098,7 +2098,7 @@
           <a:p>
             <a:fld id="{11EAACC7-3B3F-47D1-959A-EF58926E955E}" type="datetimeFigureOut">
               <a:rPr lang="en-US" smtClean="0"/>
-              <a:t>4/25/23</a:t>
+              <a:t>2/1/24</a:t>
             </a:fld>
             <a:endParaRPr lang="en-US"/>
           </a:p>
@@ -2355,7 +2355,7 @@
           <a:p>
             <a:fld id="{11EAACC7-3B3F-47D1-959A-EF58926E955E}" type="datetimeFigureOut">
               <a:rPr lang="en-US" smtClean="0"/>
-              <a:t>4/25/23</a:t>
+              <a:t>2/1/24</a:t>
             </a:fld>
             <a:endParaRPr lang="en-US"/>
           </a:p>
@@ -2568,7 +2568,7 @@
           <a:p>
             <a:fld id="{11EAACC7-3B3F-47D1-959A-EF58926E955E}" type="datetimeFigureOut">
               <a:rPr lang="en-US" smtClean="0"/>
-              <a:t>4/25/23</a:t>
+              <a:t>2/1/24</a:t>
             </a:fld>
             <a:endParaRPr lang="en-US"/>
           </a:p>
@@ -5823,7 +5823,7 @@
           <p:nvPr>
             <p:extLst>
               <p:ext uri="{D42A27DB-BD31-4B8C-83A1-F6EECF244321}">
-                <p14:modId xmlns:p14="http://schemas.microsoft.com/office/powerpoint/2010/main" val="604907280"/>
+                <p14:modId xmlns:p14="http://schemas.microsoft.com/office/powerpoint/2010/main" val="544169720"/>
               </p:ext>
             </p:extLst>
           </p:nvPr>
@@ -10409,27 +10409,11 @@
                           <a:effectLst/>
                           <a:latin typeface="+mn-lt"/>
                         </a:rPr>
-                        <a:t>Under Review</a:t>
+                        <a:t>EDGE’23</a:t>
                       </a:r>
                     </a:p>
                     <a:p>
-                      <a:pPr marL="0" marR="0" lvl="0" indent="0" algn="ctr" defTabSz="829086" rtl="0" eaLnBrk="1" fontAlgn="ctr" latinLnBrk="0" hangingPunct="1">
-                        <a:lnSpc>
-                          <a:spcPct val="100000"/>
-                        </a:lnSpc>
-                        <a:spcBef>
-                          <a:spcPts val="0"/>
-                        </a:spcBef>
-                        <a:spcAft>
-                          <a:spcPts val="0"/>
-                        </a:spcAft>
-                        <a:buClrTx/>
-                        <a:buSzTx/>
-                        <a:buFontTx/>
-                        <a:buNone/>
-                        <a:tabLst/>
-                        <a:defRPr/>
-                      </a:pPr>
+                      <a:pPr algn="ctr" fontAlgn="ctr"/>
                       <a:r>
                         <a:rPr lang="en-US" sz="1200" b="0" i="0" u="none" strike="noStrike" dirty="0">
                           <a:solidFill>
@@ -10438,7 +10422,7 @@
                           <a:effectLst/>
                           <a:latin typeface="+mn-lt"/>
                         </a:rPr>
-                        <a:t>Under Review</a:t>
+                        <a:t>CSCE’23</a:t>
                       </a:r>
                     </a:p>
                   </a:txBody>
@@ -10936,7 +10920,7 @@
                           <a:effectLst/>
                           <a:latin typeface="+mn-lt"/>
                         </a:rPr>
-                        <a:t>Under Review</a:t>
+                        <a:t>EDGE’23</a:t>
                       </a:r>
                     </a:p>
                   </a:txBody>
@@ -11003,7 +10987,7 @@
                           <a:effectLst/>
                           <a:latin typeface="+mn-lt"/>
                         </a:rPr>
-                        <a:t>Under Review</a:t>
+                        <a:t>EDGE’23</a:t>
                       </a:r>
                     </a:p>
                   </a:txBody>
